--- a/docs/slides/Help.pptx
+++ b/docs/slides/Help.pptx
@@ -216,7 +216,7 @@
           <a:p>
             <a:fld id="{9629A0FB-7277-41B0-BEC2-EE35F8B0CE39}" type="datetimeFigureOut">
               <a:rPr lang="en-SG" smtClean="0"/>
-              <a:t>25/3/2020</a:t>
+              <a:t>3/4/2020</a:t>
             </a:fld>
             <a:endParaRPr lang="en-SG"/>
           </a:p>
@@ -3843,88 +3843,11 @@
         <p:grpSpPr>
           <a:xfrm>
             <a:off x="1075555" y="798625"/>
-            <a:ext cx="6544445" cy="4679293"/>
+            <a:ext cx="6544445" cy="5144974"/>
             <a:chOff x="117858" y="798625"/>
-            <a:chExt cx="6544445" cy="4679293"/>
+            <a:chExt cx="6544445" cy="5144974"/>
           </a:xfrm>
         </p:grpSpPr>
-        <p:sp>
-          <p:nvSpPr>
-            <p:cNvPr id="43" name="Text Box 11">
-              <a:extLst>
-                <a:ext uri="{FF2B5EF4-FFF2-40B4-BE49-F238E27FC236}">
-                  <a16:creationId xmlns:a16="http://schemas.microsoft.com/office/drawing/2014/main" id="{79ACA4C9-9678-4611-AE49-25FE7CAE8B35}"/>
-                </a:ext>
-              </a:extLst>
-            </p:cNvPr>
-            <p:cNvSpPr txBox="1">
-              <a:spLocks noChangeArrowheads="1"/>
-            </p:cNvSpPr>
-            <p:nvPr/>
-          </p:nvSpPr>
-          <p:spPr bwMode="auto">
-            <a:xfrm>
-              <a:off x="117858" y="798625"/>
-              <a:ext cx="1295400" cy="600164"/>
-            </a:xfrm>
-            <a:prstGeom prst="rect">
-              <a:avLst/>
-            </a:prstGeom>
-            <a:solidFill>
-              <a:schemeClr val="accent2">
-                <a:lumMod val="40000"/>
-                <a:lumOff val="60000"/>
-              </a:schemeClr>
-            </a:solidFill>
-            <a:ln w="19050">
-              <a:solidFill>
-                <a:schemeClr val="accent2">
-                  <a:lumMod val="60000"/>
-                  <a:lumOff val="40000"/>
-                </a:schemeClr>
-              </a:solidFill>
-              <a:headEnd/>
-              <a:tailEnd/>
-            </a:ln>
-          </p:spPr>
-          <p:style>
-            <a:lnRef idx="1">
-              <a:schemeClr val="accent4"/>
-            </a:lnRef>
-            <a:fillRef idx="2">
-              <a:schemeClr val="accent4"/>
-            </a:fillRef>
-            <a:effectRef idx="1">
-              <a:schemeClr val="accent4"/>
-            </a:effectRef>
-            <a:fontRef idx="minor">
-              <a:schemeClr val="dk1"/>
-            </a:fontRef>
-          </p:style>
-          <p:txBody>
-            <a:bodyPr tIns="182880" bIns="182880">
-              <a:spAutoFit/>
-            </a:bodyPr>
-            <a:lstStyle/>
-            <a:p>
-              <a:pPr algn="ctr" defTabSz="872733">
-                <a:spcBef>
-                  <a:spcPct val="50000"/>
-                </a:spcBef>
-                <a:buFont typeface="Wingdings" pitchFamily="2" charset="2"/>
-                <a:buNone/>
-              </a:pPr>
-              <a:r>
-                <a:rPr lang="en-US" sz="1500" dirty="0">
-                  <a:solidFill>
-                    <a:prstClr val="black"/>
-                  </a:solidFill>
-                </a:rPr>
-                <a:t>:Duke</a:t>
-              </a:r>
-            </a:p>
-          </p:txBody>
-        </p:sp>
         <p:cxnSp>
           <p:nvCxnSpPr>
             <p:cNvPr id="54" name="Straight Connector 53">
@@ -4025,10 +3948,10 @@
           </p:nvGrpSpPr>
           <p:grpSpPr>
             <a:xfrm>
-              <a:off x="603890" y="1440950"/>
-              <a:ext cx="6058413" cy="3904336"/>
-              <a:chOff x="603890" y="1440950"/>
-              <a:chExt cx="6058413" cy="3904336"/>
+              <a:off x="720349" y="842637"/>
+              <a:ext cx="5941954" cy="5100962"/>
+              <a:chOff x="720349" y="842637"/>
+              <a:chExt cx="5941954" cy="5100962"/>
             </a:xfrm>
           </p:grpSpPr>
           <p:sp>
@@ -4041,8 +3964,8 @@
             </p:nvSpPr>
             <p:spPr bwMode="auto">
               <a:xfrm>
-                <a:off x="728768" y="1440950"/>
-                <a:ext cx="10115" cy="3904336"/>
+                <a:off x="720349" y="842637"/>
+                <a:ext cx="0" cy="5100962"/>
               </a:xfrm>
               <a:prstGeom prst="line">
                 <a:avLst/>
@@ -4158,134 +4081,6 @@
           </p:sp>
           <p:sp>
             <p:nvSpPr>
-              <p:cNvPr id="17" name="Rectangle 16"/>
-              <p:cNvSpPr/>
-              <p:nvPr/>
-            </p:nvSpPr>
-            <p:spPr>
-              <a:xfrm>
-                <a:off x="603890" y="1721228"/>
-                <a:ext cx="225619" cy="3348432"/>
-              </a:xfrm>
-              <a:prstGeom prst="rect">
-                <a:avLst/>
-              </a:prstGeom>
-              <a:solidFill>
-                <a:schemeClr val="accent2">
-                  <a:lumMod val="40000"/>
-                  <a:lumOff val="60000"/>
-                </a:schemeClr>
-              </a:solidFill>
-              <a:ln>
-                <a:solidFill>
-                  <a:schemeClr val="accent2">
-                    <a:lumMod val="60000"/>
-                    <a:lumOff val="40000"/>
-                  </a:schemeClr>
-                </a:solidFill>
-              </a:ln>
-            </p:spPr>
-            <p:style>
-              <a:lnRef idx="2">
-                <a:schemeClr val="accent4"/>
-              </a:lnRef>
-              <a:fillRef idx="1">
-                <a:schemeClr val="lt1"/>
-              </a:fillRef>
-              <a:effectRef idx="0">
-                <a:schemeClr val="accent4"/>
-              </a:effectRef>
-              <a:fontRef idx="minor">
-                <a:schemeClr val="dk1"/>
-              </a:fontRef>
-            </p:style>
-            <p:txBody>
-              <a:bodyPr rtlCol="0" anchor="ctr"/>
-              <a:lstStyle/>
-              <a:p>
-                <a:pPr algn="ctr" defTabSz="872733"/>
-                <a:endParaRPr lang="en-US" sz="1500">
-                  <a:solidFill>
-                    <a:prstClr val="black"/>
-                  </a:solidFill>
-                </a:endParaRPr>
-              </a:p>
-            </p:txBody>
-          </p:sp>
-          <p:sp>
-            <p:nvSpPr>
-              <p:cNvPr id="18" name="Text Box 11"/>
-              <p:cNvSpPr txBox="1">
-                <a:spLocks noChangeArrowheads="1"/>
-              </p:cNvSpPr>
-              <p:nvPr/>
-            </p:nvSpPr>
-            <p:spPr bwMode="auto">
-              <a:xfrm>
-                <a:off x="5065650" y="2812540"/>
-                <a:ext cx="1596653" cy="600164"/>
-              </a:xfrm>
-              <a:prstGeom prst="rect">
-                <a:avLst/>
-              </a:prstGeom>
-              <a:ln w="19050">
-                <a:headEnd/>
-                <a:tailEnd/>
-              </a:ln>
-            </p:spPr>
-            <p:style>
-              <a:lnRef idx="1">
-                <a:schemeClr val="accent3"/>
-              </a:lnRef>
-              <a:fillRef idx="2">
-                <a:schemeClr val="accent3"/>
-              </a:fillRef>
-              <a:effectRef idx="1">
-                <a:schemeClr val="accent3"/>
-              </a:effectRef>
-              <a:fontRef idx="minor">
-                <a:schemeClr val="dk1"/>
-              </a:fontRef>
-            </p:style>
-            <p:txBody>
-              <a:bodyPr wrap="square" tIns="182880" bIns="182880">
-                <a:spAutoFit/>
-              </a:bodyPr>
-              <a:lstStyle/>
-              <a:p>
-                <a:pPr algn="ctr" defTabSz="872733">
-                  <a:spcBef>
-                    <a:spcPct val="50000"/>
-                  </a:spcBef>
-                  <a:buFont typeface="Wingdings" pitchFamily="2" charset="2"/>
-                  <a:buNone/>
-                </a:pPr>
-                <a:r>
-                  <a:rPr lang="en-US" sz="1500" dirty="0">
-                    <a:solidFill>
-                      <a:prstClr val="black"/>
-                    </a:solidFill>
-                  </a:rPr>
-                  <a:t>:</a:t>
-                </a:r>
-                <a:r>
-                  <a:rPr lang="en-US" sz="1500" dirty="0" err="1">
-                    <a:solidFill>
-                      <a:prstClr val="black"/>
-                    </a:solidFill>
-                  </a:rPr>
-                  <a:t>HelpCommand</a:t>
-                </a:r>
-                <a:endParaRPr lang="en-US" sz="1500" dirty="0">
-                  <a:solidFill>
-                    <a:prstClr val="black"/>
-                  </a:solidFill>
-                </a:endParaRPr>
-              </a:p>
-            </p:txBody>
-          </p:sp>
-          <p:sp>
-            <p:nvSpPr>
               <p:cNvPr id="19" name="Line 13"/>
               <p:cNvSpPr>
                 <a:spLocks noChangeShapeType="1"/>
@@ -4348,8 +4143,8 @@
             </p:nvSpPr>
             <p:spPr bwMode="auto">
               <a:xfrm flipV="1">
-                <a:off x="823868" y="1898263"/>
-                <a:ext cx="1747815" cy="12191"/>
+                <a:off x="749000" y="1898262"/>
+                <a:ext cx="1822684" cy="0"/>
               </a:xfrm>
               <a:prstGeom prst="line">
                 <a:avLst/>
@@ -4386,9 +4181,9 @@
               <p:nvPr/>
             </p:nvSpPr>
             <p:spPr bwMode="auto">
-              <a:xfrm flipV="1">
-                <a:off x="3194466" y="3121220"/>
-                <a:ext cx="1871184" cy="18880"/>
+              <a:xfrm>
+                <a:off x="3018093" y="3097555"/>
+                <a:ext cx="2047557" cy="0"/>
               </a:xfrm>
               <a:prstGeom prst="line">
                 <a:avLst/>
@@ -4534,7 +4329,7 @@
             <p:spPr bwMode="auto">
               <a:xfrm flipH="1">
                 <a:off x="5843365" y="3396473"/>
-                <a:ext cx="4560" cy="1893221"/>
+                <a:ext cx="0" cy="1893221"/>
               </a:xfrm>
               <a:prstGeom prst="line">
                 <a:avLst/>
@@ -4587,8 +4382,8 @@
             </p:nvSpPr>
             <p:spPr bwMode="auto">
               <a:xfrm flipV="1">
-                <a:off x="863760" y="2696243"/>
-                <a:ext cx="2040971" cy="1"/>
+                <a:off x="738884" y="2672578"/>
+                <a:ext cx="2287800" cy="0"/>
               </a:xfrm>
               <a:prstGeom prst="line">
                 <a:avLst/>
@@ -4662,122 +4457,6 @@
           </p:sp>
           <p:sp>
             <p:nvSpPr>
-              <p:cNvPr id="40" name="Rectangle 39"/>
-              <p:cNvSpPr/>
-              <p:nvPr/>
-            </p:nvSpPr>
-            <p:spPr>
-              <a:xfrm>
-                <a:off x="5717684" y="4066313"/>
-                <a:ext cx="251361" cy="878804"/>
-              </a:xfrm>
-              <a:prstGeom prst="rect">
-                <a:avLst/>
-              </a:prstGeom>
-              <a:solidFill>
-                <a:schemeClr val="accent3">
-                  <a:lumMod val="20000"/>
-                  <a:lumOff val="80000"/>
-                </a:schemeClr>
-              </a:solidFill>
-              <a:ln>
-                <a:solidFill>
-                  <a:schemeClr val="accent3">
-                    <a:lumMod val="75000"/>
-                  </a:schemeClr>
-                </a:solidFill>
-              </a:ln>
-            </p:spPr>
-            <p:style>
-              <a:lnRef idx="2">
-                <a:schemeClr val="accent4"/>
-              </a:lnRef>
-              <a:fillRef idx="1">
-                <a:schemeClr val="lt1"/>
-              </a:fillRef>
-              <a:effectRef idx="0">
-                <a:schemeClr val="accent4"/>
-              </a:effectRef>
-              <a:fontRef idx="minor">
-                <a:schemeClr val="dk1"/>
-              </a:fontRef>
-            </p:style>
-            <p:txBody>
-              <a:bodyPr rtlCol="0" anchor="ctr"/>
-              <a:lstStyle/>
-              <a:p>
-                <a:pPr algn="ctr" defTabSz="872733"/>
-                <a:endParaRPr lang="en-US" sz="1500">
-                  <a:solidFill>
-                    <a:prstClr val="black"/>
-                  </a:solidFill>
-                </a:endParaRPr>
-              </a:p>
-            </p:txBody>
-          </p:sp>
-          <p:sp>
-            <p:nvSpPr>
-              <p:cNvPr id="44" name="Rectangle 43">
-                <a:extLst>
-                  <a:ext uri="{FF2B5EF4-FFF2-40B4-BE49-F238E27FC236}">
-                    <a16:creationId xmlns:a16="http://schemas.microsoft.com/office/drawing/2014/main" id="{1ABAE2EE-0C6F-40C9-9F83-C6E45146189B}"/>
-                  </a:ext>
-                </a:extLst>
-              </p:cNvPr>
-              <p:cNvSpPr/>
-              <p:nvPr/>
-            </p:nvSpPr>
-            <p:spPr>
-              <a:xfrm>
-                <a:off x="2888219" y="2698465"/>
-                <a:ext cx="286905" cy="893938"/>
-              </a:xfrm>
-              <a:prstGeom prst="rect">
-                <a:avLst/>
-              </a:prstGeom>
-              <a:solidFill>
-                <a:schemeClr val="accent4">
-                  <a:lumMod val="40000"/>
-                  <a:lumOff val="60000"/>
-                </a:schemeClr>
-              </a:solidFill>
-              <a:ln>
-                <a:solidFill>
-                  <a:schemeClr val="accent4">
-                    <a:lumMod val="75000"/>
-                  </a:schemeClr>
-                </a:solidFill>
-              </a:ln>
-            </p:spPr>
-            <p:style>
-              <a:lnRef idx="2">
-                <a:schemeClr val="accent4"/>
-              </a:lnRef>
-              <a:fillRef idx="1">
-                <a:schemeClr val="lt1"/>
-              </a:fillRef>
-              <a:effectRef idx="0">
-                <a:schemeClr val="accent4"/>
-              </a:effectRef>
-              <a:fontRef idx="minor">
-                <a:schemeClr val="dk1"/>
-              </a:fontRef>
-            </p:style>
-            <p:txBody>
-              <a:bodyPr rtlCol="0" anchor="ctr"/>
-              <a:lstStyle/>
-              <a:p>
-                <a:pPr algn="ctr" defTabSz="872733"/>
-                <a:endParaRPr lang="en-US" sz="1500">
-                  <a:solidFill>
-                    <a:prstClr val="black"/>
-                  </a:solidFill>
-                </a:endParaRPr>
-              </a:p>
-            </p:txBody>
-          </p:sp>
-          <p:sp>
-            <p:nvSpPr>
               <p:cNvPr id="45" name="Line 15">
                 <a:extLst>
                   <a:ext uri="{FF2B5EF4-FFF2-40B4-BE49-F238E27FC236}">
@@ -4792,8 +4471,8 @@
             </p:nvSpPr>
             <p:spPr bwMode="auto">
               <a:xfrm>
-                <a:off x="875317" y="4066311"/>
-                <a:ext cx="4877422" cy="12839"/>
+                <a:off x="738883" y="4056965"/>
+                <a:ext cx="5104482" cy="0"/>
               </a:xfrm>
               <a:prstGeom prst="line">
                 <a:avLst/>
@@ -4839,8 +4518,8 @@
             </p:nvSpPr>
             <p:spPr bwMode="auto">
               <a:xfrm>
-                <a:off x="3174259" y="2826789"/>
-                <a:ext cx="2084117" cy="323165"/>
+                <a:off x="3174260" y="2826789"/>
+                <a:ext cx="1481080" cy="323165"/>
               </a:xfrm>
               <a:prstGeom prst="rect">
                 <a:avLst/>
@@ -4893,8 +4572,8 @@
             </p:nvSpPr>
             <p:spPr bwMode="auto">
               <a:xfrm flipH="1">
-                <a:off x="852246" y="3573169"/>
-                <a:ext cx="2016629" cy="7945"/>
+                <a:off x="748998" y="3583239"/>
+                <a:ext cx="2269095" cy="1"/>
               </a:xfrm>
               <a:prstGeom prst="line">
                 <a:avLst/>
@@ -4937,7 +4616,7 @@
             </p:nvCxnSpPr>
             <p:spPr>
               <a:xfrm rot="16200000" flipV="1">
-                <a:off x="2879243" y="3679211"/>
+                <a:off x="2879243" y="3589788"/>
                 <a:ext cx="284430" cy="267655"/>
               </a:xfrm>
               <a:prstGeom prst="line">
@@ -4980,7 +4659,7 @@
             </p:nvCxnSpPr>
             <p:spPr>
               <a:xfrm rot="5400000">
-                <a:off x="2872653" y="3683705"/>
+                <a:off x="2872653" y="3594282"/>
                 <a:ext cx="288175" cy="266007"/>
               </a:xfrm>
               <a:prstGeom prst="line">
@@ -5075,8 +4754,8 @@
             </p:nvSpPr>
             <p:spPr bwMode="auto">
               <a:xfrm flipH="1" flipV="1">
-                <a:off x="838799" y="4936112"/>
-                <a:ext cx="5106116" cy="1"/>
+                <a:off x="738883" y="4925195"/>
+                <a:ext cx="5085936" cy="0"/>
               </a:xfrm>
               <a:prstGeom prst="line">
                 <a:avLst/>
@@ -5107,7 +4786,156 @@
               </a:p>
             </p:txBody>
           </p:sp>
+          <p:sp>
+            <p:nvSpPr>
+              <p:cNvPr id="18" name="Text Box 11"/>
+              <p:cNvSpPr txBox="1">
+                <a:spLocks noChangeArrowheads="1"/>
+              </p:cNvSpPr>
+              <p:nvPr/>
+            </p:nvSpPr>
+            <p:spPr bwMode="auto">
+              <a:xfrm>
+                <a:off x="5065650" y="2812540"/>
+                <a:ext cx="1596653" cy="600164"/>
+              </a:xfrm>
+              <a:prstGeom prst="rect">
+                <a:avLst/>
+              </a:prstGeom>
+              <a:ln w="19050">
+                <a:headEnd/>
+                <a:tailEnd/>
+              </a:ln>
+            </p:spPr>
+            <p:style>
+              <a:lnRef idx="1">
+                <a:schemeClr val="accent3"/>
+              </a:lnRef>
+              <a:fillRef idx="2">
+                <a:schemeClr val="accent3"/>
+              </a:fillRef>
+              <a:effectRef idx="1">
+                <a:schemeClr val="accent3"/>
+              </a:effectRef>
+              <a:fontRef idx="minor">
+                <a:schemeClr val="dk1"/>
+              </a:fontRef>
+            </p:style>
+            <p:txBody>
+              <a:bodyPr wrap="square" tIns="182880" bIns="182880">
+                <a:spAutoFit/>
+              </a:bodyPr>
+              <a:lstStyle/>
+              <a:p>
+                <a:pPr algn="ctr" defTabSz="872733">
+                  <a:spcBef>
+                    <a:spcPct val="50000"/>
+                  </a:spcBef>
+                  <a:buFont typeface="Wingdings" pitchFamily="2" charset="2"/>
+                  <a:buNone/>
+                </a:pPr>
+                <a:r>
+                  <a:rPr lang="en-US" sz="1500" dirty="0">
+                    <a:solidFill>
+                      <a:prstClr val="black"/>
+                    </a:solidFill>
+                  </a:rPr>
+                  <a:t>:</a:t>
+                </a:r>
+                <a:r>
+                  <a:rPr lang="en-US" sz="1500" dirty="0" err="1">
+                    <a:solidFill>
+                      <a:prstClr val="black"/>
+                    </a:solidFill>
+                  </a:rPr>
+                  <a:t>HelpCommand</a:t>
+                </a:r>
+                <a:endParaRPr lang="en-US" sz="1500" dirty="0">
+                  <a:solidFill>
+                    <a:prstClr val="black"/>
+                  </a:solidFill>
+                </a:endParaRPr>
+              </a:p>
+            </p:txBody>
+          </p:sp>
         </p:grpSp>
+        <p:sp>
+          <p:nvSpPr>
+            <p:cNvPr id="43" name="Text Box 11">
+              <a:extLst>
+                <a:ext uri="{FF2B5EF4-FFF2-40B4-BE49-F238E27FC236}">
+                  <a16:creationId xmlns:a16="http://schemas.microsoft.com/office/drawing/2014/main" id="{79ACA4C9-9678-4611-AE49-25FE7CAE8B35}"/>
+                </a:ext>
+              </a:extLst>
+            </p:cNvPr>
+            <p:cNvSpPr txBox="1">
+              <a:spLocks noChangeArrowheads="1"/>
+            </p:cNvSpPr>
+            <p:nvPr/>
+          </p:nvSpPr>
+          <p:spPr bwMode="auto">
+            <a:xfrm>
+              <a:off x="117858" y="798625"/>
+              <a:ext cx="1295400" cy="600164"/>
+            </a:xfrm>
+            <a:prstGeom prst="rect">
+              <a:avLst/>
+            </a:prstGeom>
+            <a:solidFill>
+              <a:schemeClr val="accent2">
+                <a:lumMod val="40000"/>
+                <a:lumOff val="60000"/>
+              </a:schemeClr>
+            </a:solidFill>
+            <a:ln w="19050">
+              <a:solidFill>
+                <a:schemeClr val="accent2">
+                  <a:lumMod val="60000"/>
+                  <a:lumOff val="40000"/>
+                </a:schemeClr>
+              </a:solidFill>
+              <a:headEnd/>
+              <a:tailEnd/>
+            </a:ln>
+          </p:spPr>
+          <p:style>
+            <a:lnRef idx="1">
+              <a:schemeClr val="accent4"/>
+            </a:lnRef>
+            <a:fillRef idx="2">
+              <a:schemeClr val="accent4"/>
+            </a:fillRef>
+            <a:effectRef idx="1">
+              <a:schemeClr val="accent4"/>
+            </a:effectRef>
+            <a:fontRef idx="minor">
+              <a:schemeClr val="dk1"/>
+            </a:fontRef>
+          </p:style>
+          <p:txBody>
+            <a:bodyPr tIns="182880" bIns="182880">
+              <a:spAutoFit/>
+            </a:bodyPr>
+            <a:lstStyle/>
+            <a:p>
+              <a:pPr algn="ctr" defTabSz="872733">
+                <a:spcBef>
+                  <a:spcPct val="50000"/>
+                </a:spcBef>
+                <a:buFont typeface="Wingdings" pitchFamily="2" charset="2"/>
+                <a:buNone/>
+              </a:pPr>
+              <a:r>
+                <a:rPr lang="en-US" sz="1500" dirty="0">
+                  <a:solidFill>
+                    <a:prstClr val="black"/>
+                  </a:solidFill>
+                </a:rPr>
+                <a:t>:Duke</a:t>
+              </a:r>
+            </a:p>
+          </p:txBody>
+        </p:sp>
       </p:grpSp>
     </p:spTree>
     <p:extLst>

--- a/docs/slides/Help.pptx
+++ b/docs/slides/Help.pptx
@@ -216,7 +216,7 @@
           <a:p>
             <a:fld id="{9629A0FB-7277-41B0-BEC2-EE35F8B0CE39}" type="datetimeFigureOut">
               <a:rPr lang="en-SG" smtClean="0"/>
-              <a:t>3/4/2020</a:t>
+              <a:t>5/4/2020</a:t>
             </a:fld>
             <a:endParaRPr lang="en-SG"/>
           </a:p>
@@ -3842,10 +3842,10 @@
         </p:nvGrpSpPr>
         <p:grpSpPr>
           <a:xfrm>
-            <a:off x="1075555" y="798625"/>
-            <a:ext cx="6544445" cy="5144974"/>
-            <a:chOff x="117858" y="798625"/>
-            <a:chExt cx="6544445" cy="5144974"/>
+            <a:off x="1678046" y="842637"/>
+            <a:ext cx="5941954" cy="5100962"/>
+            <a:chOff x="720349" y="842637"/>
+            <a:chExt cx="5941954" cy="5100962"/>
           </a:xfrm>
         </p:grpSpPr>
         <p:cxnSp>
@@ -4006,76 +4006,6 @@
                     <a:prstClr val="black"/>
                   </a:solidFill>
                 </a:endParaRPr>
-              </a:p>
-            </p:txBody>
-          </p:sp>
-          <p:sp>
-            <p:nvSpPr>
-              <p:cNvPr id="6" name="Text Box 11"/>
-              <p:cNvSpPr txBox="1">
-                <a:spLocks noChangeArrowheads="1"/>
-              </p:cNvSpPr>
-              <p:nvPr/>
-            </p:nvSpPr>
-            <p:spPr bwMode="auto">
-              <a:xfrm>
-                <a:off x="2571683" y="1515750"/>
-                <a:ext cx="967275" cy="600164"/>
-              </a:xfrm>
-              <a:prstGeom prst="rect">
-                <a:avLst/>
-              </a:prstGeom>
-              <a:solidFill>
-                <a:schemeClr val="accent4">
-                  <a:lumMod val="40000"/>
-                  <a:lumOff val="60000"/>
-                </a:schemeClr>
-              </a:solidFill>
-              <a:ln w="19050">
-                <a:solidFill>
-                  <a:schemeClr val="accent4">
-                    <a:lumMod val="75000"/>
-                  </a:schemeClr>
-                </a:solidFill>
-                <a:headEnd/>
-                <a:tailEnd/>
-              </a:ln>
-            </p:spPr>
-            <p:style>
-              <a:lnRef idx="1">
-                <a:schemeClr val="accent4"/>
-              </a:lnRef>
-              <a:fillRef idx="2">
-                <a:schemeClr val="accent4"/>
-              </a:fillRef>
-              <a:effectRef idx="1">
-                <a:schemeClr val="accent4"/>
-              </a:effectRef>
-              <a:fontRef idx="minor">
-                <a:schemeClr val="dk1"/>
-              </a:fontRef>
-            </p:style>
-            <p:txBody>
-              <a:bodyPr wrap="square" tIns="182880" bIns="182880">
-                <a:spAutoFit/>
-              </a:bodyPr>
-              <a:lstStyle/>
-              <a:p>
-                <a:pPr algn="ctr" defTabSz="872733">
-                  <a:spcBef>
-                    <a:spcPct val="50000"/>
-                  </a:spcBef>
-                  <a:buFont typeface="Wingdings" pitchFamily="2" charset="2"/>
-                  <a:buNone/>
-                </a:pPr>
-                <a:r>
-                  <a:rPr lang="en-US" sz="1500" dirty="0">
-                    <a:solidFill>
-                      <a:prstClr val="black"/>
-                    </a:solidFill>
-                  </a:rPr>
-                  <a:t>:Parser</a:t>
-                </a:r>
               </a:p>
             </p:txBody>
           </p:sp>
@@ -4859,84 +4789,166 @@
             </p:txBody>
           </p:sp>
         </p:grpSp>
-        <p:sp>
-          <p:nvSpPr>
-            <p:cNvPr id="43" name="Text Box 11">
-              <a:extLst>
-                <a:ext uri="{FF2B5EF4-FFF2-40B4-BE49-F238E27FC236}">
-                  <a16:creationId xmlns:a16="http://schemas.microsoft.com/office/drawing/2014/main" id="{79ACA4C9-9678-4611-AE49-25FE7CAE8B35}"/>
-                </a:ext>
-              </a:extLst>
-            </p:cNvPr>
-            <p:cNvSpPr txBox="1">
-              <a:spLocks noChangeArrowheads="1"/>
-            </p:cNvSpPr>
-            <p:nvPr/>
-          </p:nvSpPr>
-          <p:spPr bwMode="auto">
-            <a:xfrm>
-              <a:off x="117858" y="798625"/>
-              <a:ext cx="1295400" cy="600164"/>
-            </a:xfrm>
-            <a:prstGeom prst="rect">
-              <a:avLst/>
-            </a:prstGeom>
+      </p:grpSp>
+      <p:sp>
+        <p:nvSpPr>
+          <p:cNvPr id="26" name="Google Shape;58;p14">
+            <a:extLst>
+              <a:ext uri="{FF2B5EF4-FFF2-40B4-BE49-F238E27FC236}">
+                <a16:creationId xmlns:a16="http://schemas.microsoft.com/office/drawing/2014/main" id="{8FC3C062-1291-4099-9460-B21C4C4720E8}"/>
+              </a:ext>
+            </a:extLst>
+          </p:cNvPr>
+          <p:cNvSpPr/>
+          <p:nvPr/>
+        </p:nvSpPr>
+        <p:spPr>
+          <a:xfrm>
+            <a:off x="1041434" y="420132"/>
+            <a:ext cx="1273223" cy="525244"/>
+          </a:xfrm>
+          <a:prstGeom prst="rect">
+            <a:avLst/>
+          </a:prstGeom>
+          <a:gradFill flip="none" rotWithShape="1">
+            <a:gsLst>
+              <a:gs pos="0">
+                <a:srgbClr val="FF9999"/>
+              </a:gs>
+              <a:gs pos="50000">
+                <a:srgbClr val="FF7C80">
+                  <a:tint val="44500"/>
+                  <a:satMod val="160000"/>
+                </a:srgbClr>
+              </a:gs>
+              <a:gs pos="100000">
+                <a:srgbClr val="FF7C80">
+                  <a:tint val="23500"/>
+                  <a:satMod val="160000"/>
+                </a:srgbClr>
+              </a:gs>
+            </a:gsLst>
+            <a:lin ang="16200000" scaled="1"/>
+            <a:tileRect/>
+          </a:gradFill>
+          <a:ln w="19050" cap="flat" cmpd="sng">
             <a:solidFill>
-              <a:schemeClr val="accent2">
-                <a:lumMod val="40000"/>
-                <a:lumOff val="60000"/>
-              </a:schemeClr>
+              <a:srgbClr val="FF9999"/>
             </a:solidFill>
-            <a:ln w="19050">
-              <a:solidFill>
-                <a:schemeClr val="accent2">
-                  <a:lumMod val="60000"/>
-                  <a:lumOff val="40000"/>
-                </a:schemeClr>
-              </a:solidFill>
-              <a:headEnd/>
-              <a:tailEnd/>
-            </a:ln>
-          </p:spPr>
-          <p:style>
-            <a:lnRef idx="1">
-              <a:schemeClr val="accent4"/>
-            </a:lnRef>
-            <a:fillRef idx="2">
-              <a:schemeClr val="accent4"/>
-            </a:fillRef>
-            <a:effectRef idx="1">
-              <a:schemeClr val="accent4"/>
-            </a:effectRef>
-            <a:fontRef idx="minor">
-              <a:schemeClr val="dk1"/>
-            </a:fontRef>
-          </p:style>
-          <p:txBody>
-            <a:bodyPr tIns="182880" bIns="182880">
-              <a:spAutoFit/>
-            </a:bodyPr>
-            <a:lstStyle/>
-            <a:p>
-              <a:pPr algn="ctr" defTabSz="872733">
-                <a:spcBef>
-                  <a:spcPct val="50000"/>
-                </a:spcBef>
-                <a:buFont typeface="Wingdings" pitchFamily="2" charset="2"/>
-                <a:buNone/>
-              </a:pPr>
-              <a:r>
-                <a:rPr lang="en-US" sz="1500" dirty="0">
-                  <a:solidFill>
-                    <a:prstClr val="black"/>
-                  </a:solidFill>
-                </a:rPr>
-                <a:t>:Duke</a:t>
-              </a:r>
-            </a:p>
-          </p:txBody>
-        </p:sp>
-      </p:grpSp>
+            <a:prstDash val="solid"/>
+            <a:round/>
+            <a:headEnd type="none" w="sm" len="sm"/>
+            <a:tailEnd type="none" w="sm" len="sm"/>
+          </a:ln>
+          <a:effectLst>
+            <a:outerShdw blurRad="40000" dist="20000" dir="5400000" rotWithShape="0">
+              <a:srgbClr val="000000">
+                <a:alpha val="37650"/>
+              </a:srgbClr>
+            </a:outerShdw>
+          </a:effectLst>
+        </p:spPr>
+        <p:txBody>
+          <a:bodyPr spcFirstLastPara="1" wrap="square" lIns="91425" tIns="45700" rIns="91425" bIns="45700" anchor="ctr" anchorCtr="0">
+            <a:noAutofit/>
+          </a:bodyPr>
+          <a:lstStyle/>
+          <a:p>
+            <a:pPr algn="ctr"/>
+            <a:r>
+              <a:rPr lang="en-SG" sz="1300" dirty="0">
+                <a:latin typeface="Calibri"/>
+                <a:ea typeface="Calibri"/>
+                <a:cs typeface="Calibri"/>
+                <a:sym typeface="Calibri"/>
+              </a:rPr>
+              <a:t>:Duke</a:t>
+            </a:r>
+            <a:endParaRPr sz="1300" dirty="0"/>
+          </a:p>
+        </p:txBody>
+      </p:sp>
+      <p:sp>
+        <p:nvSpPr>
+          <p:cNvPr id="27" name="Google Shape;59;p14">
+            <a:extLst>
+              <a:ext uri="{FF2B5EF4-FFF2-40B4-BE49-F238E27FC236}">
+                <a16:creationId xmlns:a16="http://schemas.microsoft.com/office/drawing/2014/main" id="{E13B803C-B03B-40EC-9347-AD761764680D}"/>
+              </a:ext>
+            </a:extLst>
+          </p:cNvPr>
+          <p:cNvSpPr/>
+          <p:nvPr/>
+        </p:nvSpPr>
+        <p:spPr>
+          <a:xfrm>
+            <a:off x="3558031" y="1653533"/>
+            <a:ext cx="988184" cy="481677"/>
+          </a:xfrm>
+          <a:prstGeom prst="rect">
+            <a:avLst/>
+          </a:prstGeom>
+          <a:gradFill flip="none" rotWithShape="1">
+            <a:gsLst>
+              <a:gs pos="0">
+                <a:srgbClr val="990099">
+                  <a:tint val="66000"/>
+                  <a:satMod val="160000"/>
+                </a:srgbClr>
+              </a:gs>
+              <a:gs pos="50000">
+                <a:srgbClr val="990099">
+                  <a:tint val="44500"/>
+                  <a:satMod val="160000"/>
+                </a:srgbClr>
+              </a:gs>
+              <a:gs pos="100000">
+                <a:srgbClr val="990099">
+                  <a:tint val="23500"/>
+                  <a:satMod val="160000"/>
+                </a:srgbClr>
+              </a:gs>
+            </a:gsLst>
+            <a:lin ang="16200000" scaled="1"/>
+            <a:tileRect/>
+          </a:gradFill>
+          <a:ln w="19050" cap="flat" cmpd="sng">
+            <a:solidFill>
+              <a:srgbClr val="CF92CF"/>
+            </a:solidFill>
+            <a:prstDash val="solid"/>
+            <a:round/>
+            <a:headEnd type="none" w="sm" len="sm"/>
+            <a:tailEnd type="none" w="sm" len="sm"/>
+          </a:ln>
+          <a:effectLst>
+            <a:outerShdw blurRad="40000" dist="20000" dir="5400000" rotWithShape="0">
+              <a:srgbClr val="000000">
+                <a:alpha val="37650"/>
+              </a:srgbClr>
+            </a:outerShdw>
+          </a:effectLst>
+        </p:spPr>
+        <p:txBody>
+          <a:bodyPr spcFirstLastPara="1" wrap="square" lIns="91425" tIns="45700" rIns="91425" bIns="45700" anchor="ctr" anchorCtr="0">
+            <a:noAutofit/>
+          </a:bodyPr>
+          <a:lstStyle/>
+          <a:p>
+            <a:pPr algn="ctr"/>
+            <a:r>
+              <a:rPr lang="en" sz="1300" dirty="0">
+                <a:latin typeface="Calibri"/>
+                <a:ea typeface="Calibri"/>
+                <a:cs typeface="Calibri"/>
+                <a:sym typeface="Calibri"/>
+              </a:rPr>
+              <a:t>:Parser</a:t>
+            </a:r>
+            <a:endParaRPr sz="1300" dirty="0"/>
+          </a:p>
+        </p:txBody>
+      </p:sp>
     </p:spTree>
     <p:extLst>
       <p:ext uri="{BB962C8B-B14F-4D97-AF65-F5344CB8AC3E}">

--- a/docs/slides/Help.pptx
+++ b/docs/slides/Help.pptx
@@ -216,7 +216,7 @@
           <a:p>
             <a:fld id="{9629A0FB-7277-41B0-BEC2-EE35F8B0CE39}" type="datetimeFigureOut">
               <a:rPr lang="en-SG" smtClean="0"/>
-              <a:t>5/4/2020</a:t>
+              <a:t>9/4/2020</a:t>
             </a:fld>
             <a:endParaRPr lang="en-SG"/>
           </a:p>
@@ -4448,7 +4448,7 @@
             </p:nvSpPr>
             <p:spPr bwMode="auto">
               <a:xfrm>
-                <a:off x="3174260" y="2826789"/>
+                <a:off x="3276223" y="2743200"/>
                 <a:ext cx="1481080" cy="323165"/>
               </a:xfrm>
               <a:prstGeom prst="rect">
@@ -4856,15 +4856,14 @@
           <a:p>
             <a:pPr algn="ctr"/>
             <a:r>
-              <a:rPr lang="en-SG" sz="1300" dirty="0">
-                <a:latin typeface="Calibri"/>
+              <a:rPr lang="en-SG" sz="1500" dirty="0">
                 <a:ea typeface="Calibri"/>
                 <a:cs typeface="Calibri"/>
                 <a:sym typeface="Calibri"/>
               </a:rPr>
               <a:t>:Duke</a:t>
             </a:r>
-            <a:endParaRPr sz="1300" dirty="0"/>
+            <a:endParaRPr sz="1500" dirty="0"/>
           </a:p>
         </p:txBody>
       </p:sp>
@@ -4937,15 +4936,14 @@
           <a:p>
             <a:pPr algn="ctr"/>
             <a:r>
-              <a:rPr lang="en" sz="1300" dirty="0">
-                <a:latin typeface="Calibri"/>
+              <a:rPr lang="en" sz="1500" dirty="0">
                 <a:ea typeface="Calibri"/>
                 <a:cs typeface="Calibri"/>
                 <a:sym typeface="Calibri"/>
               </a:rPr>
               <a:t>:Parser</a:t>
             </a:r>
-            <a:endParaRPr sz="1300" dirty="0"/>
+            <a:endParaRPr sz="1500" dirty="0"/>
           </a:p>
         </p:txBody>
       </p:sp>
